--- a/BC_Capstone_Presentation.pptx
+++ b/BC_Capstone_Presentation.pptx
@@ -131,7 +131,7 @@
 <file path=ppt/revisionInfo.xml><?xml version="1.0" encoding="utf-8"?>
 <p1510:revInfo xmlns:a="http://schemas.openxmlformats.org/drawingml/2006/main" xmlns:r="http://schemas.openxmlformats.org/officeDocument/2006/relationships" xmlns:p1510="http://schemas.microsoft.com/office/powerpoint/2015/10/main">
   <p1510:revLst>
-    <p1510:client id="{EE952FF8-2590-4FD5-87AE-C7B5042E9B8B}" v="137" dt="2023-10-16T05:38:17.487"/>
+    <p1510:client id="{EE952FF8-2590-4FD5-87AE-C7B5042E9B8B}" v="154" dt="2023-10-23T16:57:46.393"/>
   </p1510:revLst>
 </p1510:revInfo>
 </file>
@@ -141,7 +141,7 @@
   <pc:docChgLst>
     <pc:chgData name="Manthan Desai" userId="817ff2403f6dffca" providerId="LiveId" clId="{EE952FF8-2590-4FD5-87AE-C7B5042E9B8B}"/>
     <pc:docChg chg="undo redo custSel addSld delSld modSld">
-      <pc:chgData name="Manthan Desai" userId="817ff2403f6dffca" providerId="LiveId" clId="{EE952FF8-2590-4FD5-87AE-C7B5042E9B8B}" dt="2023-10-16T05:54:31.727" v="6870" actId="27636"/>
+      <pc:chgData name="Manthan Desai" userId="817ff2403f6dffca" providerId="LiveId" clId="{EE952FF8-2590-4FD5-87AE-C7B5042E9B8B}" dt="2023-10-23T17:00:35.563" v="7071" actId="313"/>
       <pc:docMkLst>
         <pc:docMk/>
       </pc:docMkLst>
@@ -380,8 +380,8 @@
           </ac:picMkLst>
         </pc:picChg>
       </pc:sldChg>
-      <pc:sldChg chg="addSp modSp new mod">
-        <pc:chgData name="Manthan Desai" userId="817ff2403f6dffca" providerId="LiveId" clId="{EE952FF8-2590-4FD5-87AE-C7B5042E9B8B}" dt="2023-10-16T04:41:46.684" v="3396" actId="20577"/>
+      <pc:sldChg chg="addSp delSp modSp new mod">
+        <pc:chgData name="Manthan Desai" userId="817ff2403f6dffca" providerId="LiveId" clId="{EE952FF8-2590-4FD5-87AE-C7B5042E9B8B}" dt="2023-10-23T17:00:35.563" v="7071" actId="313"/>
         <pc:sldMkLst>
           <pc:docMk/>
           <pc:sldMk cId="2967613543" sldId="262"/>
@@ -403,7 +403,7 @@
           </ac:spMkLst>
         </pc:spChg>
         <pc:spChg chg="add mod">
-          <ac:chgData name="Manthan Desai" userId="817ff2403f6dffca" providerId="LiveId" clId="{EE952FF8-2590-4FD5-87AE-C7B5042E9B8B}" dt="2023-10-16T04:41:46.684" v="3396" actId="20577"/>
+          <ac:chgData name="Manthan Desai" userId="817ff2403f6dffca" providerId="LiveId" clId="{EE952FF8-2590-4FD5-87AE-C7B5042E9B8B}" dt="2023-10-23T17:00:35.563" v="7071" actId="313"/>
           <ac:spMkLst>
             <pc:docMk/>
             <pc:sldMk cId="2967613543" sldId="262"/>
@@ -411,15 +411,31 @@
           </ac:spMkLst>
         </pc:spChg>
         <pc:picChg chg="add mod">
-          <ac:chgData name="Manthan Desai" userId="817ff2403f6dffca" providerId="LiveId" clId="{EE952FF8-2590-4FD5-87AE-C7B5042E9B8B}" dt="2023-10-16T04:35:43.955" v="2801" actId="1076"/>
+          <ac:chgData name="Manthan Desai" userId="817ff2403f6dffca" providerId="LiveId" clId="{EE952FF8-2590-4FD5-87AE-C7B5042E9B8B}" dt="2023-10-23T16:55:37.539" v="6878" actId="1076"/>
+          <ac:picMkLst>
+            <pc:docMk/>
+            <pc:sldMk cId="2967613543" sldId="262"/>
+            <ac:picMk id="6" creationId="{B4DCE703-738D-2893-AA61-0069C10923BE}"/>
+          </ac:picMkLst>
+        </pc:picChg>
+        <pc:picChg chg="add mod">
+          <ac:chgData name="Manthan Desai" userId="817ff2403f6dffca" providerId="LiveId" clId="{EE952FF8-2590-4FD5-87AE-C7B5042E9B8B}" dt="2023-10-23T16:54:42.375" v="6873" actId="1076"/>
+          <ac:picMkLst>
+            <pc:docMk/>
+            <pc:sldMk cId="2967613543" sldId="262"/>
+            <ac:picMk id="1026" creationId="{327F2D64-ECE4-63BE-DE06-BDCB7ECC139E}"/>
+          </ac:picMkLst>
+        </pc:picChg>
+        <pc:picChg chg="add del mod">
+          <ac:chgData name="Manthan Desai" userId="817ff2403f6dffca" providerId="LiveId" clId="{EE952FF8-2590-4FD5-87AE-C7B5042E9B8B}" dt="2023-10-23T16:54:47.525" v="6874" actId="478"/>
           <ac:picMkLst>
             <pc:docMk/>
             <pc:sldMk cId="2967613543" sldId="262"/>
             <ac:picMk id="3074" creationId="{F2EBC411-7952-7C9E-88CE-3BFD97773AA9}"/>
           </ac:picMkLst>
         </pc:picChg>
-        <pc:picChg chg="add mod">
-          <ac:chgData name="Manthan Desai" userId="817ff2403f6dffca" providerId="LiveId" clId="{EE952FF8-2590-4FD5-87AE-C7B5042E9B8B}" dt="2023-10-16T04:35:47.356" v="2804" actId="1076"/>
+        <pc:picChg chg="add del mod">
+          <ac:chgData name="Manthan Desai" userId="817ff2403f6dffca" providerId="LiveId" clId="{EE952FF8-2590-4FD5-87AE-C7B5042E9B8B}" dt="2023-10-23T16:54:39.169" v="6871" actId="478"/>
           <ac:picMkLst>
             <pc:docMk/>
             <pc:sldMk cId="2967613543" sldId="262"/>
@@ -427,8 +443,8 @@
           </ac:picMkLst>
         </pc:picChg>
       </pc:sldChg>
-      <pc:sldChg chg="addSp modSp new mod">
-        <pc:chgData name="Manthan Desai" userId="817ff2403f6dffca" providerId="LiveId" clId="{EE952FF8-2590-4FD5-87AE-C7B5042E9B8B}" dt="2023-10-16T04:47:28.814" v="4065" actId="1076"/>
+      <pc:sldChg chg="addSp delSp modSp new mod">
+        <pc:chgData name="Manthan Desai" userId="817ff2403f6dffca" providerId="LiveId" clId="{EE952FF8-2590-4FD5-87AE-C7B5042E9B8B}" dt="2023-10-23T16:59:49.633" v="6913" actId="5793"/>
         <pc:sldMkLst>
           <pc:docMk/>
           <pc:sldMk cId="3987712818" sldId="263"/>
@@ -450,7 +466,7 @@
           </ac:spMkLst>
         </pc:spChg>
         <pc:spChg chg="add mod">
-          <ac:chgData name="Manthan Desai" userId="817ff2403f6dffca" providerId="LiveId" clId="{EE952FF8-2590-4FD5-87AE-C7B5042E9B8B}" dt="2023-10-16T04:47:28.814" v="4065" actId="1076"/>
+          <ac:chgData name="Manthan Desai" userId="817ff2403f6dffca" providerId="LiveId" clId="{EE952FF8-2590-4FD5-87AE-C7B5042E9B8B}" dt="2023-10-23T16:59:49.633" v="6913" actId="5793"/>
           <ac:spMkLst>
             <pc:docMk/>
             <pc:sldMk cId="3987712818" sldId="263"/>
@@ -458,15 +474,31 @@
           </ac:spMkLst>
         </pc:spChg>
         <pc:picChg chg="add mod">
-          <ac:chgData name="Manthan Desai" userId="817ff2403f6dffca" providerId="LiveId" clId="{EE952FF8-2590-4FD5-87AE-C7B5042E9B8B}" dt="2023-10-16T04:47:17.743" v="4062" actId="1076"/>
+          <ac:chgData name="Manthan Desai" userId="817ff2403f6dffca" providerId="LiveId" clId="{EE952FF8-2590-4FD5-87AE-C7B5042E9B8B}" dt="2023-10-23T16:56:26.321" v="6887" actId="1076"/>
+          <ac:picMkLst>
+            <pc:docMk/>
+            <pc:sldMk cId="3987712818" sldId="263"/>
+            <ac:picMk id="6" creationId="{07AA7104-AC2A-3698-F994-7A0776C570A6}"/>
+          </ac:picMkLst>
+        </pc:picChg>
+        <pc:picChg chg="add mod">
+          <ac:chgData name="Manthan Desai" userId="817ff2403f6dffca" providerId="LiveId" clId="{EE952FF8-2590-4FD5-87AE-C7B5042E9B8B}" dt="2023-10-23T16:56:02.144" v="6882" actId="1076"/>
+          <ac:picMkLst>
+            <pc:docMk/>
+            <pc:sldMk cId="3987712818" sldId="263"/>
+            <ac:picMk id="2050" creationId="{87E72768-AF46-88E0-C993-FA0E31B6D2FD}"/>
+          </ac:picMkLst>
+        </pc:picChg>
+        <pc:picChg chg="add del mod">
+          <ac:chgData name="Manthan Desai" userId="817ff2403f6dffca" providerId="LiveId" clId="{EE952FF8-2590-4FD5-87AE-C7B5042E9B8B}" dt="2023-10-23T16:56:03.611" v="6883" actId="478"/>
           <ac:picMkLst>
             <pc:docMk/>
             <pc:sldMk cId="3987712818" sldId="263"/>
             <ac:picMk id="4098" creationId="{F8B7AFC3-4527-AB2F-3A04-8F7C50A7866C}"/>
           </ac:picMkLst>
         </pc:picChg>
-        <pc:picChg chg="add mod">
-          <ac:chgData name="Manthan Desai" userId="817ff2403f6dffca" providerId="LiveId" clId="{EE952FF8-2590-4FD5-87AE-C7B5042E9B8B}" dt="2023-10-16T04:47:19.385" v="4063" actId="1076"/>
+        <pc:picChg chg="add del mod">
+          <ac:chgData name="Manthan Desai" userId="817ff2403f6dffca" providerId="LiveId" clId="{EE952FF8-2590-4FD5-87AE-C7B5042E9B8B}" dt="2023-10-23T16:55:55.971" v="6879" actId="478"/>
           <ac:picMkLst>
             <pc:docMk/>
             <pc:sldMk cId="3987712818" sldId="263"/>
@@ -474,8 +506,8 @@
           </ac:picMkLst>
         </pc:picChg>
       </pc:sldChg>
-      <pc:sldChg chg="addSp modSp new mod">
-        <pc:chgData name="Manthan Desai" userId="817ff2403f6dffca" providerId="LiveId" clId="{EE952FF8-2590-4FD5-87AE-C7B5042E9B8B}" dt="2023-10-16T04:53:17.590" v="4630" actId="313"/>
+      <pc:sldChg chg="addSp delSp modSp new mod">
+        <pc:chgData name="Manthan Desai" userId="817ff2403f6dffca" providerId="LiveId" clId="{EE952FF8-2590-4FD5-87AE-C7B5042E9B8B}" dt="2023-10-23T16:59:22.624" v="6910" actId="20577"/>
         <pc:sldMkLst>
           <pc:docMk/>
           <pc:sldMk cId="266519050" sldId="264"/>
@@ -497,7 +529,7 @@
           </ac:spMkLst>
         </pc:spChg>
         <pc:spChg chg="add mod">
-          <ac:chgData name="Manthan Desai" userId="817ff2403f6dffca" providerId="LiveId" clId="{EE952FF8-2590-4FD5-87AE-C7B5042E9B8B}" dt="2023-10-16T04:53:17.590" v="4630" actId="313"/>
+          <ac:chgData name="Manthan Desai" userId="817ff2403f6dffca" providerId="LiveId" clId="{EE952FF8-2590-4FD5-87AE-C7B5042E9B8B}" dt="2023-10-23T16:59:22.624" v="6910" actId="20577"/>
           <ac:spMkLst>
             <pc:docMk/>
             <pc:sldMk cId="266519050" sldId="264"/>
@@ -505,15 +537,31 @@
           </ac:spMkLst>
         </pc:spChg>
         <pc:picChg chg="add mod">
-          <ac:chgData name="Manthan Desai" userId="817ff2403f6dffca" providerId="LiveId" clId="{EE952FF8-2590-4FD5-87AE-C7B5042E9B8B}" dt="2023-10-16T04:50:19.863" v="4131" actId="1076"/>
+          <ac:chgData name="Manthan Desai" userId="817ff2403f6dffca" providerId="LiveId" clId="{EE952FF8-2590-4FD5-87AE-C7B5042E9B8B}" dt="2023-10-23T16:57:09.528" v="6898" actId="1076"/>
+          <ac:picMkLst>
+            <pc:docMk/>
+            <pc:sldMk cId="266519050" sldId="264"/>
+            <ac:picMk id="6" creationId="{02DCEEAD-84DC-73EF-A63A-68EAC5AC2A3A}"/>
+          </ac:picMkLst>
+        </pc:picChg>
+        <pc:picChg chg="add mod">
+          <ac:chgData name="Manthan Desai" userId="817ff2403f6dffca" providerId="LiveId" clId="{EE952FF8-2590-4FD5-87AE-C7B5042E9B8B}" dt="2023-10-23T16:56:49.268" v="6893" actId="1076"/>
+          <ac:picMkLst>
+            <pc:docMk/>
+            <pc:sldMk cId="266519050" sldId="264"/>
+            <ac:picMk id="3074" creationId="{DEDA6AF2-A459-832F-1118-36900F2520F8}"/>
+          </ac:picMkLst>
+        </pc:picChg>
+        <pc:picChg chg="add del mod">
+          <ac:chgData name="Manthan Desai" userId="817ff2403f6dffca" providerId="LiveId" clId="{EE952FF8-2590-4FD5-87AE-C7B5042E9B8B}" dt="2023-10-23T16:56:50.689" v="6894" actId="478"/>
           <ac:picMkLst>
             <pc:docMk/>
             <pc:sldMk cId="266519050" sldId="264"/>
             <ac:picMk id="5122" creationId="{AEF13E6C-FD02-A8F9-6EF4-004D6F0B25AF}"/>
           </ac:picMkLst>
         </pc:picChg>
-        <pc:picChg chg="add mod">
-          <ac:chgData name="Manthan Desai" userId="817ff2403f6dffca" providerId="LiveId" clId="{EE952FF8-2590-4FD5-87AE-C7B5042E9B8B}" dt="2023-10-16T04:50:15.882" v="4129" actId="1076"/>
+        <pc:picChg chg="add del mod">
+          <ac:chgData name="Manthan Desai" userId="817ff2403f6dffca" providerId="LiveId" clId="{EE952FF8-2590-4FD5-87AE-C7B5042E9B8B}" dt="2023-10-23T16:56:39.691" v="6888" actId="478"/>
           <ac:picMkLst>
             <pc:docMk/>
             <pc:sldMk cId="266519050" sldId="264"/>
@@ -880,7 +928,7 @@
         </pc:picChg>
       </pc:sldChg>
       <pc:sldChg chg="addSp delSp modSp new mod setBg modClrScheme chgLayout">
-        <pc:chgData name="Manthan Desai" userId="817ff2403f6dffca" providerId="LiveId" clId="{EE952FF8-2590-4FD5-87AE-C7B5042E9B8B}" dt="2023-10-16T05:40:18.723" v="6830" actId="20577"/>
+        <pc:chgData name="Manthan Desai" userId="817ff2403f6dffca" providerId="LiveId" clId="{EE952FF8-2590-4FD5-87AE-C7B5042E9B8B}" dt="2023-10-23T16:58:17.504" v="6903" actId="1076"/>
         <pc:sldMkLst>
           <pc:docMk/>
           <pc:sldMk cId="4245632091" sldId="275"/>
@@ -918,6 +966,14 @@
           </ac:spMkLst>
         </pc:spChg>
         <pc:picChg chg="add mod">
+          <ac:chgData name="Manthan Desai" userId="817ff2403f6dffca" providerId="LiveId" clId="{EE952FF8-2590-4FD5-87AE-C7B5042E9B8B}" dt="2023-10-23T16:58:17.504" v="6903" actId="1076"/>
+          <ac:picMkLst>
+            <pc:docMk/>
+            <pc:sldMk cId="4245632091" sldId="275"/>
+            <ac:picMk id="5" creationId="{B4776959-2AEE-3C05-5C33-0786C35885DF}"/>
+          </ac:picMkLst>
+        </pc:picChg>
+        <pc:picChg chg="add mod">
           <ac:chgData name="Manthan Desai" userId="817ff2403f6dffca" providerId="LiveId" clId="{EE952FF8-2590-4FD5-87AE-C7B5042E9B8B}" dt="2023-10-16T05:38:04.543" v="6572" actId="14100"/>
           <ac:picMkLst>
             <pc:docMk/>
@@ -925,8 +981,8 @@
             <ac:picMk id="11266" creationId="{12ED0AF5-C53F-6F37-8118-DC4CDDE1D490}"/>
           </ac:picMkLst>
         </pc:picChg>
-        <pc:picChg chg="add mod ord">
-          <ac:chgData name="Manthan Desai" userId="817ff2403f6dffca" providerId="LiveId" clId="{EE952FF8-2590-4FD5-87AE-C7B5042E9B8B}" dt="2023-10-16T05:38:08.511" v="6573" actId="1076"/>
+        <pc:picChg chg="add del mod ord">
+          <ac:chgData name="Manthan Desai" userId="817ff2403f6dffca" providerId="LiveId" clId="{EE952FF8-2590-4FD5-87AE-C7B5042E9B8B}" dt="2023-10-23T16:57:46.393" v="6899" actId="478"/>
           <ac:picMkLst>
             <pc:docMk/>
             <pc:sldMk cId="4245632091" sldId="275"/>
@@ -1132,7 +1188,7 @@
           <a:p>
             <a:fld id="{1F0A767B-B437-4FCB-BF18-3B50AD640296}" type="datetimeFigureOut">
               <a:rPr lang="en-US" smtClean="0"/>
-              <a:t>10/15/2023</a:t>
+              <a:t>10/23/2023</a:t>
             </a:fld>
             <a:endParaRPr lang="en-US"/>
           </a:p>
@@ -1430,7 +1486,7 @@
           <a:p>
             <a:fld id="{1F0A767B-B437-4FCB-BF18-3B50AD640296}" type="datetimeFigureOut">
               <a:rPr lang="en-US" smtClean="0"/>
-              <a:t>10/15/2023</a:t>
+              <a:t>10/23/2023</a:t>
             </a:fld>
             <a:endParaRPr lang="en-US"/>
           </a:p>
@@ -1622,7 +1678,7 @@
           <a:p>
             <a:fld id="{1F0A767B-B437-4FCB-BF18-3B50AD640296}" type="datetimeFigureOut">
               <a:rPr lang="en-US" smtClean="0"/>
-              <a:t>10/15/2023</a:t>
+              <a:t>10/23/2023</a:t>
             </a:fld>
             <a:endParaRPr lang="en-US"/>
           </a:p>
@@ -1883,7 +1939,7 @@
           <a:p>
             <a:fld id="{1F0A767B-B437-4FCB-BF18-3B50AD640296}" type="datetimeFigureOut">
               <a:rPr lang="en-US" smtClean="0"/>
-              <a:t>10/15/2023</a:t>
+              <a:t>10/23/2023</a:t>
             </a:fld>
             <a:endParaRPr lang="en-US"/>
           </a:p>
@@ -2307,7 +2363,7 @@
           <a:p>
             <a:fld id="{1F0A767B-B437-4FCB-BF18-3B50AD640296}" type="datetimeFigureOut">
               <a:rPr lang="en-US" smtClean="0"/>
-              <a:t>10/15/2023</a:t>
+              <a:t>10/23/2023</a:t>
             </a:fld>
             <a:endParaRPr lang="en-US"/>
           </a:p>
@@ -2844,7 +2900,7 @@
           <a:p>
             <a:fld id="{1F0A767B-B437-4FCB-BF18-3B50AD640296}" type="datetimeFigureOut">
               <a:rPr lang="en-US" smtClean="0"/>
-              <a:t>10/15/2023</a:t>
+              <a:t>10/23/2023</a:t>
             </a:fld>
             <a:endParaRPr lang="en-US"/>
           </a:p>
@@ -3708,7 +3764,7 @@
           <a:p>
             <a:fld id="{1F0A767B-B437-4FCB-BF18-3B50AD640296}" type="datetimeFigureOut">
               <a:rPr lang="en-US" smtClean="0"/>
-              <a:t>10/15/2023</a:t>
+              <a:t>10/23/2023</a:t>
             </a:fld>
             <a:endParaRPr lang="en-US"/>
           </a:p>
@@ -3878,7 +3934,7 @@
           <a:p>
             <a:fld id="{1F0A767B-B437-4FCB-BF18-3B50AD640296}" type="datetimeFigureOut">
               <a:rPr lang="en-US" smtClean="0"/>
-              <a:t>10/15/2023</a:t>
+              <a:t>10/23/2023</a:t>
             </a:fld>
             <a:endParaRPr lang="en-US"/>
           </a:p>
@@ -4062,7 +4118,7 @@
           <a:p>
             <a:fld id="{1F0A767B-B437-4FCB-BF18-3B50AD640296}" type="datetimeFigureOut">
               <a:rPr lang="en-US" smtClean="0"/>
-              <a:t>10/15/2023</a:t>
+              <a:t>10/23/2023</a:t>
             </a:fld>
             <a:endParaRPr lang="en-US"/>
           </a:p>
@@ -4232,7 +4288,7 @@
           <a:p>
             <a:fld id="{1F0A767B-B437-4FCB-BF18-3B50AD640296}" type="datetimeFigureOut">
               <a:rPr lang="en-US" smtClean="0"/>
-              <a:t>10/15/2023</a:t>
+              <a:t>10/23/2023</a:t>
             </a:fld>
             <a:endParaRPr lang="en-US"/>
           </a:p>
@@ -4476,7 +4532,7 @@
           <a:p>
             <a:fld id="{1F0A767B-B437-4FCB-BF18-3B50AD640296}" type="datetimeFigureOut">
               <a:rPr lang="en-US" smtClean="0"/>
-              <a:t>10/15/2023</a:t>
+              <a:t>10/23/2023</a:t>
             </a:fld>
             <a:endParaRPr lang="en-US"/>
           </a:p>
@@ -4712,7 +4768,7 @@
           <a:p>
             <a:fld id="{1F0A767B-B437-4FCB-BF18-3B50AD640296}" type="datetimeFigureOut">
               <a:rPr lang="en-US" smtClean="0"/>
-              <a:t>10/15/2023</a:t>
+              <a:t>10/23/2023</a:t>
             </a:fld>
             <a:endParaRPr lang="en-US"/>
           </a:p>
@@ -5178,7 +5234,7 @@
           <a:p>
             <a:fld id="{1F0A767B-B437-4FCB-BF18-3B50AD640296}" type="datetimeFigureOut">
               <a:rPr lang="en-US" smtClean="0"/>
-              <a:t>10/15/2023</a:t>
+              <a:t>10/23/2023</a:t>
             </a:fld>
             <a:endParaRPr lang="en-US"/>
           </a:p>
@@ -5296,7 +5352,7 @@
           <a:p>
             <a:fld id="{1F0A767B-B437-4FCB-BF18-3B50AD640296}" type="datetimeFigureOut">
               <a:rPr lang="en-US" smtClean="0"/>
-              <a:t>10/15/2023</a:t>
+              <a:t>10/23/2023</a:t>
             </a:fld>
             <a:endParaRPr lang="en-US"/>
           </a:p>
@@ -5391,7 +5447,7 @@
           <a:p>
             <a:fld id="{1F0A767B-B437-4FCB-BF18-3B50AD640296}" type="datetimeFigureOut">
               <a:rPr lang="en-US" smtClean="0"/>
-              <a:t>10/15/2023</a:t>
+              <a:t>10/23/2023</a:t>
             </a:fld>
             <a:endParaRPr lang="en-US"/>
           </a:p>
@@ -5646,7 +5702,7 @@
           <a:p>
             <a:fld id="{1F0A767B-B437-4FCB-BF18-3B50AD640296}" type="datetimeFigureOut">
               <a:rPr lang="en-US" smtClean="0"/>
-              <a:t>10/15/2023</a:t>
+              <a:t>10/23/2023</a:t>
             </a:fld>
             <a:endParaRPr lang="en-US"/>
           </a:p>
@@ -5946,7 +6002,7 @@
           <a:p>
             <a:fld id="{1F0A767B-B437-4FCB-BF18-3B50AD640296}" type="datetimeFigureOut">
               <a:rPr lang="en-US" smtClean="0"/>
-              <a:t>10/15/2023</a:t>
+              <a:t>10/23/2023</a:t>
             </a:fld>
             <a:endParaRPr lang="en-US"/>
           </a:p>
@@ -6180,7 +6236,7 @@
           <a:p>
             <a:fld id="{1F0A767B-B437-4FCB-BF18-3B50AD640296}" type="datetimeFigureOut">
               <a:rPr lang="en-US" smtClean="0"/>
-              <a:t>10/15/2023</a:t>
+              <a:t>10/23/2023</a:t>
             </a:fld>
             <a:endParaRPr lang="en-US"/>
           </a:p>
@@ -8191,55 +8247,6 @@
       </p:sp>
       <p:pic>
         <p:nvPicPr>
-          <p:cNvPr id="11268" name="Picture 4">
-            <a:extLst>
-              <a:ext uri="{FF2B5EF4-FFF2-40B4-BE49-F238E27FC236}">
-                <a16:creationId xmlns:a16="http://schemas.microsoft.com/office/drawing/2014/main" id="{637CC863-1A96-2CF7-28A6-53BCE61CC05A}"/>
-              </a:ext>
-            </a:extLst>
-          </p:cNvPr>
-          <p:cNvPicPr>
-            <a:picLocks noGrp="1" noChangeAspect="1" noChangeArrowheads="1"/>
-          </p:cNvPicPr>
-          <p:nvPr>
-            <p:ph idx="4294967295"/>
-          </p:nvPr>
-        </p:nvPicPr>
-        <p:blipFill>
-          <a:blip r:embed="rId2">
-            <a:extLst>
-              <a:ext uri="{28A0092B-C50C-407E-A947-70E740481C1C}">
-                <a14:useLocalDpi xmlns:a14="http://schemas.microsoft.com/office/drawing/2010/main" val="0"/>
-              </a:ext>
-            </a:extLst>
-          </a:blip>
-          <a:srcRect/>
-          <a:stretch>
-            <a:fillRect/>
-          </a:stretch>
-        </p:blipFill>
-        <p:spPr bwMode="auto">
-          <a:xfrm>
-            <a:off x="6324161" y="1715236"/>
-            <a:ext cx="5162550" cy="3819525"/>
-          </a:xfrm>
-          <a:prstGeom prst="rect">
-            <a:avLst/>
-          </a:prstGeom>
-          <a:noFill/>
-          <a:extLst>
-            <a:ext uri="{909E8E84-426E-40DD-AFC4-6F175D3DCCD1}">
-              <a14:hiddenFill xmlns:a14="http://schemas.microsoft.com/office/drawing/2010/main">
-                <a:solidFill>
-                  <a:srgbClr val="FFFFFF"/>
-                </a:solidFill>
-              </a14:hiddenFill>
-            </a:ext>
-          </a:extLst>
-        </p:spPr>
-      </p:pic>
-      <p:pic>
-        <p:nvPicPr>
           <p:cNvPr id="11266" name="Picture 2">
             <a:extLst>
               <a:ext uri="{FF2B5EF4-FFF2-40B4-BE49-F238E27FC236}">
@@ -8253,7 +8260,7 @@
           <p:nvPr/>
         </p:nvPicPr>
         <p:blipFill>
-          <a:blip r:embed="rId3">
+          <a:blip r:embed="rId2">
             <a:extLst>
               <a:ext uri="{28A0092B-C50C-407E-A947-70E740481C1C}">
                 <a14:useLocalDpi xmlns:a14="http://schemas.microsoft.com/office/drawing/2010/main" val="0"/>
@@ -8328,6 +8335,36 @@
           </a:p>
         </p:txBody>
       </p:sp>
+      <p:pic>
+        <p:nvPicPr>
+          <p:cNvPr id="5" name="Picture 4">
+            <a:extLst>
+              <a:ext uri="{FF2B5EF4-FFF2-40B4-BE49-F238E27FC236}">
+                <a16:creationId xmlns:a16="http://schemas.microsoft.com/office/drawing/2014/main" id="{B4776959-2AEE-3C05-5C33-0786C35885DF}"/>
+              </a:ext>
+            </a:extLst>
+          </p:cNvPr>
+          <p:cNvPicPr>
+            <a:picLocks noChangeAspect="1"/>
+          </p:cNvPicPr>
+          <p:nvPr/>
+        </p:nvPicPr>
+        <p:blipFill>
+          <a:blip r:embed="rId3"/>
+          <a:stretch>
+            <a:fillRect/>
+          </a:stretch>
+        </p:blipFill>
+        <p:spPr>
+          <a:xfrm>
+            <a:off x="5691041" y="2755079"/>
+            <a:ext cx="6266498" cy="1739839"/>
+          </a:xfrm>
+          <a:prstGeom prst="rect">
+            <a:avLst/>
+          </a:prstGeom>
+        </p:spPr>
+      </p:pic>
     </p:spTree>
     <p:extLst>
       <p:ext uri="{BB962C8B-B14F-4D97-AF65-F5344CB8AC3E}">
@@ -9369,12 +9406,106 @@
           </a:p>
         </p:txBody>
       </p:sp>
+      <p:sp>
+        <p:nvSpPr>
+          <p:cNvPr id="3" name="TextBox 2">
+            <a:extLst>
+              <a:ext uri="{FF2B5EF4-FFF2-40B4-BE49-F238E27FC236}">
+                <a16:creationId xmlns:a16="http://schemas.microsoft.com/office/drawing/2014/main" id="{012BB23B-0DCF-0B20-4DD4-E09E8703E1AA}"/>
+              </a:ext>
+            </a:extLst>
+          </p:cNvPr>
+          <p:cNvSpPr txBox="1"/>
+          <p:nvPr/>
+        </p:nvSpPr>
+        <p:spPr>
+          <a:xfrm>
+            <a:off x="3108286" y="1441714"/>
+            <a:ext cx="5964780" cy="369332"/>
+          </a:xfrm>
+          <a:prstGeom prst="rect">
+            <a:avLst/>
+          </a:prstGeom>
+          <a:noFill/>
+        </p:spPr>
+        <p:txBody>
+          <a:bodyPr wrap="square" rtlCol="0">
+            <a:spAutoFit/>
+          </a:bodyPr>
+          <a:lstStyle/>
+          <a:p>
+            <a:r>
+              <a:rPr lang="en-US" dirty="0"/>
+              <a:t>Mitoses: Quantifies the current stage of Mitosis in the cells</a:t>
+            </a:r>
+          </a:p>
+        </p:txBody>
+      </p:sp>
+      <p:sp>
+        <p:nvSpPr>
+          <p:cNvPr id="4" name="TextBox 3">
+            <a:extLst>
+              <a:ext uri="{FF2B5EF4-FFF2-40B4-BE49-F238E27FC236}">
+                <a16:creationId xmlns:a16="http://schemas.microsoft.com/office/drawing/2014/main" id="{34578694-9412-CEC0-FFB0-0974B1483DDC}"/>
+              </a:ext>
+            </a:extLst>
+          </p:cNvPr>
+          <p:cNvSpPr txBox="1"/>
+          <p:nvPr/>
+        </p:nvSpPr>
+        <p:spPr>
+          <a:xfrm>
+            <a:off x="596348" y="5632174"/>
+            <a:ext cx="10827025" cy="1200329"/>
+          </a:xfrm>
+          <a:prstGeom prst="rect">
+            <a:avLst/>
+          </a:prstGeom>
+          <a:noFill/>
+        </p:spPr>
+        <p:txBody>
+          <a:bodyPr wrap="square" rtlCol="0">
+            <a:spAutoFit/>
+          </a:bodyPr>
+          <a:lstStyle/>
+          <a:p>
+            <a:pPr marL="285750" indent="-285750">
+              <a:buFont typeface="Arial" panose="020B0604020202020204" pitchFamily="34" charset="0"/>
+              <a:buChar char="•"/>
+            </a:pPr>
+            <a:r>
+              <a:rPr lang="en-US" dirty="0"/>
+              <a:t>The data table shows the majority of data points fall near 1 with a very small standard deviation of 0.63 for benign labels.</a:t>
+            </a:r>
+          </a:p>
+          <a:p>
+            <a:pPr marL="285750" indent="-285750">
+              <a:buFont typeface="Arial" panose="020B0604020202020204" pitchFamily="34" charset="0"/>
+              <a:buChar char="•"/>
+            </a:pPr>
+            <a:r>
+              <a:rPr lang="en-US" dirty="0"/>
+              <a:t>Bar chart confirms most benign data points aggregate at the first bin.</a:t>
+            </a:r>
+          </a:p>
+          <a:p>
+            <a:pPr marL="285750" indent="-285750">
+              <a:buFont typeface="Arial" panose="020B0604020202020204" pitchFamily="34" charset="0"/>
+              <a:buChar char="•"/>
+            </a:pPr>
+            <a:r>
+              <a:rPr lang="en-US" dirty="0"/>
+              <a:t>Malignant data points are most prevalent at lower values but have a consistent presence in the other bins.</a:t>
+            </a:r>
+          </a:p>
+        </p:txBody>
+      </p:sp>
       <p:pic>
         <p:nvPicPr>
-          <p:cNvPr id="3074" name="Picture 2">
+          <p:cNvPr id="1026" name="Picture 2">
             <a:extLst>
               <a:ext uri="{FF2B5EF4-FFF2-40B4-BE49-F238E27FC236}">
-                <a16:creationId xmlns:a16="http://schemas.microsoft.com/office/drawing/2014/main" id="{F2EBC411-7952-7C9E-88CE-3BFD97773AA9}"/>
+                <a16:creationId xmlns:a16="http://schemas.microsoft.com/office/drawing/2014/main" id="{327F2D64-ECE4-63BE-DE06-BDCB7ECC139E}"/>
               </a:ext>
             </a:extLst>
           </p:cNvPr>
@@ -9398,8 +9529,8 @@
         </p:blipFill>
         <p:spPr bwMode="auto">
           <a:xfrm>
-            <a:off x="1033065" y="2042042"/>
-            <a:ext cx="3480854" cy="3480854"/>
+            <a:off x="6491702" y="1920324"/>
+            <a:ext cx="4562475" cy="3619500"/>
           </a:xfrm>
           <a:prstGeom prst="rect">
             <a:avLst/>
@@ -9418,145 +9549,34 @@
       </p:pic>
       <p:pic>
         <p:nvPicPr>
-          <p:cNvPr id="3076" name="Picture 4">
+          <p:cNvPr id="6" name="Picture 5">
             <a:extLst>
               <a:ext uri="{FF2B5EF4-FFF2-40B4-BE49-F238E27FC236}">
-                <a16:creationId xmlns:a16="http://schemas.microsoft.com/office/drawing/2014/main" id="{59290CCB-ACD3-5E16-D6F4-0CD0B5802345}"/>
+                <a16:creationId xmlns:a16="http://schemas.microsoft.com/office/drawing/2014/main" id="{B4DCE703-738D-2893-AA61-0069C10923BE}"/>
               </a:ext>
             </a:extLst>
           </p:cNvPr>
           <p:cNvPicPr>
-            <a:picLocks noChangeAspect="1" noChangeArrowheads="1"/>
+            <a:picLocks noChangeAspect="1"/>
           </p:cNvPicPr>
           <p:nvPr/>
         </p:nvPicPr>
         <p:blipFill>
-          <a:blip r:embed="rId3">
-            <a:extLst>
-              <a:ext uri="{28A0092B-C50C-407E-A947-70E740481C1C}">
-                <a14:useLocalDpi xmlns:a14="http://schemas.microsoft.com/office/drawing/2010/main" val="0"/>
-              </a:ext>
-            </a:extLst>
-          </a:blip>
-          <a:srcRect/>
+          <a:blip r:embed="rId3"/>
           <a:stretch>
             <a:fillRect/>
           </a:stretch>
         </p:blipFill>
-        <p:spPr bwMode="auto">
+        <p:spPr>
           <a:xfrm>
-            <a:off x="6495658" y="2042042"/>
-            <a:ext cx="4463889" cy="3433178"/>
+            <a:off x="347242" y="2907220"/>
+            <a:ext cx="5743434" cy="1620314"/>
           </a:xfrm>
           <a:prstGeom prst="rect">
             <a:avLst/>
           </a:prstGeom>
-          <a:noFill/>
-          <a:extLst>
-            <a:ext uri="{909E8E84-426E-40DD-AFC4-6F175D3DCCD1}">
-              <a14:hiddenFill xmlns:a14="http://schemas.microsoft.com/office/drawing/2010/main">
-                <a:solidFill>
-                  <a:srgbClr val="FFFFFF"/>
-                </a:solidFill>
-              </a14:hiddenFill>
-            </a:ext>
-          </a:extLst>
         </p:spPr>
       </p:pic>
-      <p:sp>
-        <p:nvSpPr>
-          <p:cNvPr id="3" name="TextBox 2">
-            <a:extLst>
-              <a:ext uri="{FF2B5EF4-FFF2-40B4-BE49-F238E27FC236}">
-                <a16:creationId xmlns:a16="http://schemas.microsoft.com/office/drawing/2014/main" id="{012BB23B-0DCF-0B20-4DD4-E09E8703E1AA}"/>
-              </a:ext>
-            </a:extLst>
-          </p:cNvPr>
-          <p:cNvSpPr txBox="1"/>
-          <p:nvPr/>
-        </p:nvSpPr>
-        <p:spPr>
-          <a:xfrm>
-            <a:off x="3108286" y="1441714"/>
-            <a:ext cx="5964780" cy="369332"/>
-          </a:xfrm>
-          <a:prstGeom prst="rect">
-            <a:avLst/>
-          </a:prstGeom>
-          <a:noFill/>
-        </p:spPr>
-        <p:txBody>
-          <a:bodyPr wrap="square" rtlCol="0">
-            <a:spAutoFit/>
-          </a:bodyPr>
-          <a:lstStyle/>
-          <a:p>
-            <a:r>
-              <a:rPr lang="en-US" dirty="0"/>
-              <a:t>Mitoses: Quantifies the current stage of Mitosis in the cells</a:t>
-            </a:r>
-          </a:p>
-        </p:txBody>
-      </p:sp>
-      <p:sp>
-        <p:nvSpPr>
-          <p:cNvPr id="4" name="TextBox 3">
-            <a:extLst>
-              <a:ext uri="{FF2B5EF4-FFF2-40B4-BE49-F238E27FC236}">
-                <a16:creationId xmlns:a16="http://schemas.microsoft.com/office/drawing/2014/main" id="{34578694-9412-CEC0-FFB0-0974B1483DDC}"/>
-              </a:ext>
-            </a:extLst>
-          </p:cNvPr>
-          <p:cNvSpPr txBox="1"/>
-          <p:nvPr/>
-        </p:nvSpPr>
-        <p:spPr>
-          <a:xfrm>
-            <a:off x="596348" y="5632174"/>
-            <a:ext cx="10827025" cy="923330"/>
-          </a:xfrm>
-          <a:prstGeom prst="rect">
-            <a:avLst/>
-          </a:prstGeom>
-          <a:noFill/>
-        </p:spPr>
-        <p:txBody>
-          <a:bodyPr wrap="square" rtlCol="0">
-            <a:spAutoFit/>
-          </a:bodyPr>
-          <a:lstStyle/>
-          <a:p>
-            <a:pPr marL="285750" indent="-285750">
-              <a:buFont typeface="Arial" panose="020B0604020202020204" pitchFamily="34" charset="0"/>
-              <a:buChar char="•"/>
-            </a:pPr>
-            <a:r>
-              <a:rPr lang="en-US" dirty="0"/>
-              <a:t>Box plot for Mitoses depicts the heavy density of data points with benign label towards 1.</a:t>
-            </a:r>
-          </a:p>
-          <a:p>
-            <a:pPr marL="285750" indent="-285750">
-              <a:buFont typeface="Arial" panose="020B0604020202020204" pitchFamily="34" charset="0"/>
-              <a:buChar char="•"/>
-            </a:pPr>
-            <a:r>
-              <a:rPr lang="en-US" dirty="0"/>
-              <a:t>Bar chart confirms most benign data points aggregate at the first bin.</a:t>
-            </a:r>
-          </a:p>
-          <a:p>
-            <a:pPr marL="285750" indent="-285750">
-              <a:buFont typeface="Arial" panose="020B0604020202020204" pitchFamily="34" charset="0"/>
-              <a:buChar char="•"/>
-            </a:pPr>
-            <a:r>
-              <a:rPr lang="en-US" dirty="0"/>
-              <a:t>Malignant data points are most prevalent at lower values but have a consistent presence in the other bins.</a:t>
-            </a:r>
-          </a:p>
-        </p:txBody>
-      </p:sp>
     </p:spTree>
     <p:extLst>
       <p:ext uri="{BB962C8B-B14F-4D97-AF65-F5344CB8AC3E}">
@@ -9623,12 +9643,100 @@
           </a:p>
         </p:txBody>
       </p:sp>
+      <p:sp>
+        <p:nvSpPr>
+          <p:cNvPr id="3" name="TextBox 2">
+            <a:extLst>
+              <a:ext uri="{FF2B5EF4-FFF2-40B4-BE49-F238E27FC236}">
+                <a16:creationId xmlns:a16="http://schemas.microsoft.com/office/drawing/2014/main" id="{9D463262-6381-5AEE-5001-0833FE9FF058}"/>
+              </a:ext>
+            </a:extLst>
+          </p:cNvPr>
+          <p:cNvSpPr txBox="1"/>
+          <p:nvPr/>
+        </p:nvSpPr>
+        <p:spPr>
+          <a:xfrm>
+            <a:off x="2943284" y="1464715"/>
+            <a:ext cx="6294783" cy="369332"/>
+          </a:xfrm>
+          <a:prstGeom prst="rect">
+            <a:avLst/>
+          </a:prstGeom>
+          <a:noFill/>
+        </p:spPr>
+        <p:txBody>
+          <a:bodyPr wrap="square" rtlCol="0">
+            <a:spAutoFit/>
+          </a:bodyPr>
+          <a:lstStyle/>
+          <a:p>
+            <a:r>
+              <a:rPr lang="en-US" dirty="0" err="1"/>
+              <a:t>Normal_Nucleoli</a:t>
+            </a:r>
+            <a:r>
+              <a:rPr lang="en-US" dirty="0"/>
+              <a:t>: Count of normal nucleoli in the cell sample</a:t>
+            </a:r>
+          </a:p>
+        </p:txBody>
+      </p:sp>
+      <p:sp>
+        <p:nvSpPr>
+          <p:cNvPr id="4" name="TextBox 3">
+            <a:extLst>
+              <a:ext uri="{FF2B5EF4-FFF2-40B4-BE49-F238E27FC236}">
+                <a16:creationId xmlns:a16="http://schemas.microsoft.com/office/drawing/2014/main" id="{47D6EBAC-40D6-000F-4887-B3974C331B62}"/>
+              </a:ext>
+            </a:extLst>
+          </p:cNvPr>
+          <p:cNvSpPr txBox="1"/>
+          <p:nvPr/>
+        </p:nvSpPr>
+        <p:spPr>
+          <a:xfrm>
+            <a:off x="677162" y="5521007"/>
+            <a:ext cx="10827025" cy="923330"/>
+          </a:xfrm>
+          <a:prstGeom prst="rect">
+            <a:avLst/>
+          </a:prstGeom>
+          <a:noFill/>
+        </p:spPr>
+        <p:txBody>
+          <a:bodyPr wrap="square" rtlCol="0">
+            <a:spAutoFit/>
+          </a:bodyPr>
+          <a:lstStyle/>
+          <a:p>
+            <a:pPr marL="285750" indent="-285750">
+              <a:buFont typeface="Arial" panose="020B0604020202020204" pitchFamily="34" charset="0"/>
+              <a:buChar char="•"/>
+            </a:pPr>
+            <a:r>
+              <a:rPr lang="en-US" dirty="0"/>
+              <a:t>Like Mitoses, the heavy density of benign data points lie near 1 while an even distribution occurs for malignant data points.</a:t>
+            </a:r>
+          </a:p>
+          <a:p>
+            <a:pPr marL="285750" indent="-285750">
+              <a:buFont typeface="Arial" panose="020B0604020202020204" pitchFamily="34" charset="0"/>
+              <a:buChar char="•"/>
+            </a:pPr>
+            <a:r>
+              <a:rPr lang="en-US" dirty="0"/>
+              <a:t>Highest number of malignant data points lie in the ‘10+’ bin while benign points aggregate at ‘1’ bin.</a:t>
+            </a:r>
+          </a:p>
+        </p:txBody>
+      </p:sp>
       <p:pic>
         <p:nvPicPr>
-          <p:cNvPr id="4098" name="Picture 2">
+          <p:cNvPr id="2050" name="Picture 2">
             <a:extLst>
               <a:ext uri="{FF2B5EF4-FFF2-40B4-BE49-F238E27FC236}">
-                <a16:creationId xmlns:a16="http://schemas.microsoft.com/office/drawing/2014/main" id="{F8B7AFC3-4527-AB2F-3A04-8F7C50A7866C}"/>
+                <a16:creationId xmlns:a16="http://schemas.microsoft.com/office/drawing/2014/main" id="{87E72768-AF46-88E0-C993-FA0E31B6D2FD}"/>
               </a:ext>
             </a:extLst>
           </p:cNvPr>
@@ -9652,8 +9760,8 @@
         </p:blipFill>
         <p:spPr bwMode="auto">
           <a:xfrm>
-            <a:off x="913795" y="2088045"/>
-            <a:ext cx="3346756" cy="3339926"/>
+            <a:off x="6416331" y="1896339"/>
+            <a:ext cx="4669138" cy="3554823"/>
           </a:xfrm>
           <a:prstGeom prst="rect">
             <a:avLst/>
@@ -9672,149 +9780,34 @@
       </p:pic>
       <p:pic>
         <p:nvPicPr>
-          <p:cNvPr id="4100" name="Picture 4">
+          <p:cNvPr id="6" name="Picture 5">
             <a:extLst>
               <a:ext uri="{FF2B5EF4-FFF2-40B4-BE49-F238E27FC236}">
-                <a16:creationId xmlns:a16="http://schemas.microsoft.com/office/drawing/2014/main" id="{A8D5618E-6D8C-145E-7052-C676B1F42DE9}"/>
+                <a16:creationId xmlns:a16="http://schemas.microsoft.com/office/drawing/2014/main" id="{07AA7104-AC2A-3698-F994-7A0776C570A6}"/>
               </a:ext>
             </a:extLst>
           </p:cNvPr>
           <p:cNvPicPr>
-            <a:picLocks noChangeAspect="1" noChangeArrowheads="1"/>
+            <a:picLocks noChangeAspect="1"/>
           </p:cNvPicPr>
           <p:nvPr/>
         </p:nvPicPr>
         <p:blipFill>
-          <a:blip r:embed="rId3">
-            <a:extLst>
-              <a:ext uri="{28A0092B-C50C-407E-A947-70E740481C1C}">
-                <a14:useLocalDpi xmlns:a14="http://schemas.microsoft.com/office/drawing/2010/main" val="0"/>
-              </a:ext>
-            </a:extLst>
-          </a:blip>
-          <a:srcRect/>
+          <a:blip r:embed="rId3"/>
           <a:stretch>
             <a:fillRect/>
           </a:stretch>
         </p:blipFill>
-        <p:spPr bwMode="auto">
+        <p:spPr>
           <a:xfrm>
-            <a:off x="6681449" y="1927083"/>
-            <a:ext cx="4745133" cy="3500888"/>
+            <a:off x="271644" y="2894765"/>
+            <a:ext cx="5706043" cy="1649061"/>
           </a:xfrm>
           <a:prstGeom prst="rect">
             <a:avLst/>
           </a:prstGeom>
-          <a:noFill/>
-          <a:extLst>
-            <a:ext uri="{909E8E84-426E-40DD-AFC4-6F175D3DCCD1}">
-              <a14:hiddenFill xmlns:a14="http://schemas.microsoft.com/office/drawing/2010/main">
-                <a:solidFill>
-                  <a:srgbClr val="FFFFFF"/>
-                </a:solidFill>
-              </a14:hiddenFill>
-            </a:ext>
-          </a:extLst>
         </p:spPr>
       </p:pic>
-      <p:sp>
-        <p:nvSpPr>
-          <p:cNvPr id="3" name="TextBox 2">
-            <a:extLst>
-              <a:ext uri="{FF2B5EF4-FFF2-40B4-BE49-F238E27FC236}">
-                <a16:creationId xmlns:a16="http://schemas.microsoft.com/office/drawing/2014/main" id="{9D463262-6381-5AEE-5001-0833FE9FF058}"/>
-              </a:ext>
-            </a:extLst>
-          </p:cNvPr>
-          <p:cNvSpPr txBox="1"/>
-          <p:nvPr/>
-        </p:nvSpPr>
-        <p:spPr>
-          <a:xfrm>
-            <a:off x="2943284" y="1464715"/>
-            <a:ext cx="6294783" cy="369332"/>
-          </a:xfrm>
-          <a:prstGeom prst="rect">
-            <a:avLst/>
-          </a:prstGeom>
-          <a:noFill/>
-        </p:spPr>
-        <p:txBody>
-          <a:bodyPr wrap="square" rtlCol="0">
-            <a:spAutoFit/>
-          </a:bodyPr>
-          <a:lstStyle/>
-          <a:p>
-            <a:r>
-              <a:rPr lang="en-US" dirty="0" err="1"/>
-              <a:t>Normal_Nucleoli</a:t>
-            </a:r>
-            <a:r>
-              <a:rPr lang="en-US" dirty="0"/>
-              <a:t>: Count of normal nucleoli in the cell sample</a:t>
-            </a:r>
-          </a:p>
-        </p:txBody>
-      </p:sp>
-      <p:sp>
-        <p:nvSpPr>
-          <p:cNvPr id="4" name="TextBox 3">
-            <a:extLst>
-              <a:ext uri="{FF2B5EF4-FFF2-40B4-BE49-F238E27FC236}">
-                <a16:creationId xmlns:a16="http://schemas.microsoft.com/office/drawing/2014/main" id="{47D6EBAC-40D6-000F-4887-B3974C331B62}"/>
-              </a:ext>
-            </a:extLst>
-          </p:cNvPr>
-          <p:cNvSpPr txBox="1"/>
-          <p:nvPr/>
-        </p:nvSpPr>
-        <p:spPr>
-          <a:xfrm>
-            <a:off x="677162" y="5521007"/>
-            <a:ext cx="10827025" cy="1200329"/>
-          </a:xfrm>
-          <a:prstGeom prst="rect">
-            <a:avLst/>
-          </a:prstGeom>
-          <a:noFill/>
-        </p:spPr>
-        <p:txBody>
-          <a:bodyPr wrap="square" rtlCol="0">
-            <a:spAutoFit/>
-          </a:bodyPr>
-          <a:lstStyle/>
-          <a:p>
-            <a:pPr marL="285750" indent="-285750">
-              <a:buFont typeface="Arial" panose="020B0604020202020204" pitchFamily="34" charset="0"/>
-              <a:buChar char="•"/>
-            </a:pPr>
-            <a:r>
-              <a:rPr lang="en-US" dirty="0"/>
-              <a:t>Like Mitoses, the heavy density of benign data points lie near 1 while an even distribution occurs for malignant data points.</a:t>
-            </a:r>
-          </a:p>
-          <a:p>
-            <a:pPr marL="285750" indent="-285750">
-              <a:buFont typeface="Arial" panose="020B0604020202020204" pitchFamily="34" charset="0"/>
-              <a:buChar char="•"/>
-            </a:pPr>
-            <a:r>
-              <a:rPr lang="en-US" dirty="0"/>
-              <a:t>Bar chart visually confirms the wildly different data distributions for the two labels</a:t>
-            </a:r>
-          </a:p>
-          <a:p>
-            <a:pPr marL="285750" indent="-285750">
-              <a:buFont typeface="Arial" panose="020B0604020202020204" pitchFamily="34" charset="0"/>
-              <a:buChar char="•"/>
-            </a:pPr>
-            <a:r>
-              <a:rPr lang="en-US" dirty="0"/>
-              <a:t>Highest number of malignant data points lie in the ‘10+’ bin while benign points aggregate at ‘1’ bin.</a:t>
-            </a:r>
-          </a:p>
-        </p:txBody>
-      </p:sp>
     </p:spTree>
     <p:extLst>
       <p:ext uri="{BB962C8B-B14F-4D97-AF65-F5344CB8AC3E}">
@@ -9881,12 +9874,110 @@
           </a:p>
         </p:txBody>
       </p:sp>
+      <p:sp>
+        <p:nvSpPr>
+          <p:cNvPr id="3" name="TextBox 2">
+            <a:extLst>
+              <a:ext uri="{FF2B5EF4-FFF2-40B4-BE49-F238E27FC236}">
+                <a16:creationId xmlns:a16="http://schemas.microsoft.com/office/drawing/2014/main" id="{ADF1C4C5-46A7-FAF5-6308-26A6AF38A0A4}"/>
+              </a:ext>
+            </a:extLst>
+          </p:cNvPr>
+          <p:cNvSpPr txBox="1"/>
+          <p:nvPr/>
+        </p:nvSpPr>
+        <p:spPr>
+          <a:xfrm>
+            <a:off x="2888974" y="1464715"/>
+            <a:ext cx="6349093" cy="646331"/>
+          </a:xfrm>
+          <a:prstGeom prst="rect">
+            <a:avLst/>
+          </a:prstGeom>
+          <a:noFill/>
+        </p:spPr>
+        <p:txBody>
+          <a:bodyPr wrap="square" rtlCol="0">
+            <a:spAutoFit/>
+          </a:bodyPr>
+          <a:lstStyle/>
+          <a:p>
+            <a:r>
+              <a:rPr lang="en-US" dirty="0" err="1"/>
+              <a:t>Bland_Chromatin</a:t>
+            </a:r>
+            <a:r>
+              <a:rPr lang="en-US" dirty="0"/>
+              <a:t>: Quantifies the presence of bland chromatin in the cell sample</a:t>
+            </a:r>
+          </a:p>
+        </p:txBody>
+      </p:sp>
+      <p:sp>
+        <p:nvSpPr>
+          <p:cNvPr id="4" name="TextBox 3">
+            <a:extLst>
+              <a:ext uri="{FF2B5EF4-FFF2-40B4-BE49-F238E27FC236}">
+                <a16:creationId xmlns:a16="http://schemas.microsoft.com/office/drawing/2014/main" id="{54028146-7D51-0D0D-7A07-662994D68B8C}"/>
+              </a:ext>
+            </a:extLst>
+          </p:cNvPr>
+          <p:cNvSpPr txBox="1"/>
+          <p:nvPr/>
+        </p:nvSpPr>
+        <p:spPr>
+          <a:xfrm>
+            <a:off x="677162" y="5521007"/>
+            <a:ext cx="10827025" cy="923330"/>
+          </a:xfrm>
+          <a:prstGeom prst="rect">
+            <a:avLst/>
+          </a:prstGeom>
+          <a:noFill/>
+        </p:spPr>
+        <p:txBody>
+          <a:bodyPr wrap="square" rtlCol="0">
+            <a:spAutoFit/>
+          </a:bodyPr>
+          <a:lstStyle/>
+          <a:p>
+            <a:pPr marL="285750" indent="-285750">
+              <a:buFont typeface="Arial" panose="020B0604020202020204" pitchFamily="34" charset="0"/>
+              <a:buChar char="•"/>
+            </a:pPr>
+            <a:r>
+              <a:rPr lang="en-US" dirty="0"/>
+              <a:t>Unlike previous two features, the data points for both labels have a wider range.</a:t>
+            </a:r>
+          </a:p>
+          <a:p>
+            <a:pPr marL="285750" indent="-285750">
+              <a:buFont typeface="Arial" panose="020B0604020202020204" pitchFamily="34" charset="0"/>
+              <a:buChar char="•"/>
+            </a:pPr>
+            <a:r>
+              <a:rPr lang="en-US" dirty="0"/>
+              <a:t>Bar chart shows most benign labels to be falling in the first three bins</a:t>
+            </a:r>
+          </a:p>
+          <a:p>
+            <a:pPr marL="285750" indent="-285750">
+              <a:buFont typeface="Arial" panose="020B0604020202020204" pitchFamily="34" charset="0"/>
+              <a:buChar char="•"/>
+            </a:pPr>
+            <a:r>
+              <a:rPr lang="en-US" dirty="0"/>
+              <a:t>Malignant data points appear in all bins in significant quantity, most at ‘8’</a:t>
+            </a:r>
+          </a:p>
+        </p:txBody>
+      </p:sp>
       <p:pic>
         <p:nvPicPr>
-          <p:cNvPr id="5122" name="Picture 2">
+          <p:cNvPr id="3074" name="Picture 2">
             <a:extLst>
               <a:ext uri="{FF2B5EF4-FFF2-40B4-BE49-F238E27FC236}">
-                <a16:creationId xmlns:a16="http://schemas.microsoft.com/office/drawing/2014/main" id="{AEF13E6C-FD02-A8F9-6EF4-004D6F0B25AF}"/>
+                <a16:creationId xmlns:a16="http://schemas.microsoft.com/office/drawing/2014/main" id="{DEDA6AF2-A459-832F-1118-36900F2520F8}"/>
               </a:ext>
             </a:extLst>
           </p:cNvPr>
@@ -9910,8 +10001,8 @@
         </p:blipFill>
         <p:spPr bwMode="auto">
           <a:xfrm>
-            <a:off x="1298410" y="2218649"/>
-            <a:ext cx="3181127" cy="3174636"/>
+            <a:off x="6609316" y="2063059"/>
+            <a:ext cx="4403544" cy="3330226"/>
           </a:xfrm>
           <a:prstGeom prst="rect">
             <a:avLst/>
@@ -9930,149 +10021,34 @@
       </p:pic>
       <p:pic>
         <p:nvPicPr>
-          <p:cNvPr id="5124" name="Picture 4">
+          <p:cNvPr id="6" name="Picture 5">
             <a:extLst>
               <a:ext uri="{FF2B5EF4-FFF2-40B4-BE49-F238E27FC236}">
-                <a16:creationId xmlns:a16="http://schemas.microsoft.com/office/drawing/2014/main" id="{8106FB20-366F-CBA8-9511-C45E8166DA2F}"/>
+                <a16:creationId xmlns:a16="http://schemas.microsoft.com/office/drawing/2014/main" id="{02DCEEAD-84DC-73EF-A63A-68EAC5AC2A3A}"/>
               </a:ext>
             </a:extLst>
           </p:cNvPr>
           <p:cNvPicPr>
-            <a:picLocks noChangeAspect="1" noChangeArrowheads="1"/>
+            <a:picLocks noChangeAspect="1"/>
           </p:cNvPicPr>
           <p:nvPr/>
         </p:nvPicPr>
         <p:blipFill>
-          <a:blip r:embed="rId3">
-            <a:extLst>
-              <a:ext uri="{28A0092B-C50C-407E-A947-70E740481C1C}">
-                <a14:useLocalDpi xmlns:a14="http://schemas.microsoft.com/office/drawing/2010/main" val="0"/>
-              </a:ext>
-            </a:extLst>
-          </a:blip>
-          <a:srcRect/>
+          <a:blip r:embed="rId3"/>
           <a:stretch>
             <a:fillRect/>
           </a:stretch>
         </p:blipFill>
-        <p:spPr bwMode="auto">
+        <p:spPr>
           <a:xfrm>
-            <a:off x="6547401" y="2050354"/>
-            <a:ext cx="4665845" cy="3470653"/>
+            <a:off x="574300" y="3010014"/>
+            <a:ext cx="5489220" cy="1612024"/>
           </a:xfrm>
           <a:prstGeom prst="rect">
             <a:avLst/>
           </a:prstGeom>
-          <a:noFill/>
-          <a:extLst>
-            <a:ext uri="{909E8E84-426E-40DD-AFC4-6F175D3DCCD1}">
-              <a14:hiddenFill xmlns:a14="http://schemas.microsoft.com/office/drawing/2010/main">
-                <a:solidFill>
-                  <a:srgbClr val="FFFFFF"/>
-                </a:solidFill>
-              </a14:hiddenFill>
-            </a:ext>
-          </a:extLst>
         </p:spPr>
       </p:pic>
-      <p:sp>
-        <p:nvSpPr>
-          <p:cNvPr id="3" name="TextBox 2">
-            <a:extLst>
-              <a:ext uri="{FF2B5EF4-FFF2-40B4-BE49-F238E27FC236}">
-                <a16:creationId xmlns:a16="http://schemas.microsoft.com/office/drawing/2014/main" id="{ADF1C4C5-46A7-FAF5-6308-26A6AF38A0A4}"/>
-              </a:ext>
-            </a:extLst>
-          </p:cNvPr>
-          <p:cNvSpPr txBox="1"/>
-          <p:nvPr/>
-        </p:nvSpPr>
-        <p:spPr>
-          <a:xfrm>
-            <a:off x="2888974" y="1464715"/>
-            <a:ext cx="6349093" cy="646331"/>
-          </a:xfrm>
-          <a:prstGeom prst="rect">
-            <a:avLst/>
-          </a:prstGeom>
-          <a:noFill/>
-        </p:spPr>
-        <p:txBody>
-          <a:bodyPr wrap="square" rtlCol="0">
-            <a:spAutoFit/>
-          </a:bodyPr>
-          <a:lstStyle/>
-          <a:p>
-            <a:r>
-              <a:rPr lang="en-US" dirty="0" err="1"/>
-              <a:t>Bland_Chromatin</a:t>
-            </a:r>
-            <a:r>
-              <a:rPr lang="en-US" dirty="0"/>
-              <a:t>: Quantifies the presence of bland chromatin in the cell sample</a:t>
-            </a:r>
-          </a:p>
-        </p:txBody>
-      </p:sp>
-      <p:sp>
-        <p:nvSpPr>
-          <p:cNvPr id="4" name="TextBox 3">
-            <a:extLst>
-              <a:ext uri="{FF2B5EF4-FFF2-40B4-BE49-F238E27FC236}">
-                <a16:creationId xmlns:a16="http://schemas.microsoft.com/office/drawing/2014/main" id="{54028146-7D51-0D0D-7A07-662994D68B8C}"/>
-              </a:ext>
-            </a:extLst>
-          </p:cNvPr>
-          <p:cNvSpPr txBox="1"/>
-          <p:nvPr/>
-        </p:nvSpPr>
-        <p:spPr>
-          <a:xfrm>
-            <a:off x="677162" y="5521007"/>
-            <a:ext cx="10827025" cy="923330"/>
-          </a:xfrm>
-          <a:prstGeom prst="rect">
-            <a:avLst/>
-          </a:prstGeom>
-          <a:noFill/>
-        </p:spPr>
-        <p:txBody>
-          <a:bodyPr wrap="square" rtlCol="0">
-            <a:spAutoFit/>
-          </a:bodyPr>
-          <a:lstStyle/>
-          <a:p>
-            <a:pPr marL="285750" indent="-285750">
-              <a:buFont typeface="Arial" panose="020B0604020202020204" pitchFamily="34" charset="0"/>
-              <a:buChar char="•"/>
-            </a:pPr>
-            <a:r>
-              <a:rPr lang="en-US" dirty="0"/>
-              <a:t>Unlike previous two features, the data points for both labels have a bigger range.</a:t>
-            </a:r>
-          </a:p>
-          <a:p>
-            <a:pPr marL="285750" indent="-285750">
-              <a:buFont typeface="Arial" panose="020B0604020202020204" pitchFamily="34" charset="0"/>
-              <a:buChar char="•"/>
-            </a:pPr>
-            <a:r>
-              <a:rPr lang="en-US" dirty="0"/>
-              <a:t>Bar chart shows most benign labels to be falling in the first three bins/</a:t>
-            </a:r>
-          </a:p>
-          <a:p>
-            <a:pPr marL="285750" indent="-285750">
-              <a:buFont typeface="Arial" panose="020B0604020202020204" pitchFamily="34" charset="0"/>
-              <a:buChar char="•"/>
-            </a:pPr>
-            <a:r>
-              <a:rPr lang="en-US" dirty="0"/>
-              <a:t>Malignant data points appear in all bins in significant quantity, most at ‘8’</a:t>
-            </a:r>
-          </a:p>
-        </p:txBody>
-      </p:sp>
     </p:spTree>
     <p:extLst>
       <p:ext uri="{BB962C8B-B14F-4D97-AF65-F5344CB8AC3E}">
